--- a/Lectures/Week 1 - Overview and Setup/Welcome.pptx
+++ b/Lectures/Week 1 - Overview and Setup/Welcome.pptx
@@ -2641,7 +2641,7 @@
           <a:p>
             <a:fld id="{C47C06C9-76A5-9C4B-A029-CD9EB798681B}" type="datetimeFigureOut">
               <a:rPr lang="en-US" smtClean="0"/>
-              <a:t>6/1/21</a:t>
+              <a:t>6/2/21</a:t>
             </a:fld>
             <a:endParaRPr lang="en-US"/>
           </a:p>
@@ -2840,7 +2840,7 @@
           <a:p>
             <a:fld id="{C47C06C9-76A5-9C4B-A029-CD9EB798681B}" type="datetimeFigureOut">
               <a:rPr lang="en-US" smtClean="0"/>
-              <a:t>6/1/21</a:t>
+              <a:t>6/2/21</a:t>
             </a:fld>
             <a:endParaRPr lang="en-US"/>
           </a:p>
@@ -3049,7 +3049,7 @@
           <a:p>
             <a:fld id="{C47C06C9-76A5-9C4B-A029-CD9EB798681B}" type="datetimeFigureOut">
               <a:rPr lang="en-US" smtClean="0"/>
-              <a:t>6/1/21</a:t>
+              <a:t>6/2/21</a:t>
             </a:fld>
             <a:endParaRPr lang="en-US"/>
           </a:p>
@@ -4226,7 +4226,7 @@
           <a:p>
             <a:fld id="{C47C06C9-76A5-9C4B-A029-CD9EB798681B}" type="datetimeFigureOut">
               <a:rPr lang="en-US" smtClean="0"/>
-              <a:t>6/1/21</a:t>
+              <a:t>6/2/21</a:t>
             </a:fld>
             <a:endParaRPr lang="en-US"/>
           </a:p>
@@ -4504,7 +4504,7 @@
           <a:p>
             <a:fld id="{C47C06C9-76A5-9C4B-A029-CD9EB798681B}" type="datetimeFigureOut">
               <a:rPr lang="en-US" smtClean="0"/>
-              <a:t>6/1/21</a:t>
+              <a:t>6/2/21</a:t>
             </a:fld>
             <a:endParaRPr lang="en-US"/>
           </a:p>
@@ -4770,7 +4770,7 @@
           <a:p>
             <a:fld id="{C47C06C9-76A5-9C4B-A029-CD9EB798681B}" type="datetimeFigureOut">
               <a:rPr lang="en-US" smtClean="0"/>
-              <a:t>6/1/21</a:t>
+              <a:t>6/2/21</a:t>
             </a:fld>
             <a:endParaRPr lang="en-US"/>
           </a:p>
@@ -5183,7 +5183,7 @@
           <a:p>
             <a:fld id="{C47C06C9-76A5-9C4B-A029-CD9EB798681B}" type="datetimeFigureOut">
               <a:rPr lang="en-US" smtClean="0"/>
-              <a:t>6/1/21</a:t>
+              <a:t>6/2/21</a:t>
             </a:fld>
             <a:endParaRPr lang="en-US"/>
           </a:p>
@@ -5325,7 +5325,7 @@
           <a:p>
             <a:fld id="{C47C06C9-76A5-9C4B-A029-CD9EB798681B}" type="datetimeFigureOut">
               <a:rPr lang="en-US" smtClean="0"/>
-              <a:t>6/1/21</a:t>
+              <a:t>6/2/21</a:t>
             </a:fld>
             <a:endParaRPr lang="en-US"/>
           </a:p>
@@ -5441,7 +5441,7 @@
           <a:p>
             <a:fld id="{C47C06C9-76A5-9C4B-A029-CD9EB798681B}" type="datetimeFigureOut">
               <a:rPr lang="en-US" smtClean="0"/>
-              <a:t>6/1/21</a:t>
+              <a:t>6/2/21</a:t>
             </a:fld>
             <a:endParaRPr lang="en-US"/>
           </a:p>
@@ -5753,7 +5753,7 @@
           <a:p>
             <a:fld id="{C47C06C9-76A5-9C4B-A029-CD9EB798681B}" type="datetimeFigureOut">
               <a:rPr lang="en-US" smtClean="0"/>
-              <a:t>6/1/21</a:t>
+              <a:t>6/2/21</a:t>
             </a:fld>
             <a:endParaRPr lang="en-US"/>
           </a:p>
@@ -6042,7 +6042,7 @@
           <a:p>
             <a:fld id="{C47C06C9-76A5-9C4B-A029-CD9EB798681B}" type="datetimeFigureOut">
               <a:rPr lang="en-US" smtClean="0"/>
-              <a:t>6/1/21</a:t>
+              <a:t>6/2/21</a:t>
             </a:fld>
             <a:endParaRPr lang="en-US"/>
           </a:p>
@@ -6284,7 +6284,7 @@
           <a:p>
             <a:fld id="{C47C06C9-76A5-9C4B-A029-CD9EB798681B}" type="datetimeFigureOut">
               <a:rPr lang="en-US" smtClean="0"/>
-              <a:t>6/1/21</a:t>
+              <a:t>6/2/21</a:t>
             </a:fld>
             <a:endParaRPr lang="en-US"/>
           </a:p>
@@ -6743,8 +6743,12 @@
               <a:buNone/>
             </a:pPr>
             <a:r>
+              <a:rPr lang="en"/>
+              <a:t>CSC 119</a:t>
+            </a:r>
+            <a:r>
               <a:rPr lang="en" dirty="0"/>
-              <a:t>CSC 1119: CS is Problem Solving</a:t>
+              <a:t>: CS is Problem Solving</a:t>
             </a:r>
             <a:endParaRPr dirty="0"/>
           </a:p>
